--- a/m9/task9.1/images/Final_Project_OleksandrMakarov.pptx
+++ b/m9/task9.1/images/Final_Project_OleksandrMakarov.pptx
@@ -15,6 +15,7 @@
     <p:sldId id="265" r:id="rId9"/>
     <p:sldId id="266" r:id="rId10"/>
     <p:sldId id="267" r:id="rId11"/>
+    <p:sldId id="268" r:id="rId12"/>
   </p:sldIdLst>
   <p:sldSz cx="12192000" cy="6858000"/>
   <p:notesSz cx="6858000" cy="9144000"/>
@@ -128,6 +129,7 @@
             <p14:sldId id="265"/>
             <p14:sldId id="266"/>
             <p14:sldId id="267"/>
+            <p14:sldId id="268"/>
           </p14:sldIdLst>
         </p14:section>
       </p14:sectionLst>
@@ -395,7 +397,7 @@
           <a:p>
             <a:fld id="{4BDF68E2-58F2-4D09-BE8B-E3BD06533059}" type="datetimeFigureOut">
               <a:rPr lang="en-US" smtClean="0"/>
-              <a:t>7/7/2022</a:t>
+              <a:t>7/9/2022</a:t>
             </a:fld>
             <a:endParaRPr lang="en-US" dirty="0"/>
           </a:p>
@@ -657,7 +659,7 @@
           <a:p>
             <a:fld id="{98624D31-43A5-475A-80CF-332C9F6DCF35}" type="datetimeFigureOut">
               <a:rPr lang="en-US" smtClean="0"/>
-              <a:t>7/7/2022</a:t>
+              <a:t>7/9/2022</a:t>
             </a:fld>
             <a:endParaRPr lang="en-US" dirty="0"/>
           </a:p>
@@ -894,7 +896,7 @@
           <a:p>
             <a:fld id="{98624D31-43A5-475A-80CF-332C9F6DCF35}" type="datetimeFigureOut">
               <a:rPr lang="en-US" smtClean="0"/>
-              <a:t>7/7/2022</a:t>
+              <a:t>7/9/2022</a:t>
             </a:fld>
             <a:endParaRPr lang="en-US" dirty="0"/>
           </a:p>
@@ -1136,7 +1138,7 @@
           <a:p>
             <a:fld id="{98624D31-43A5-475A-80CF-332C9F6DCF35}" type="datetimeFigureOut">
               <a:rPr lang="en-US" smtClean="0"/>
-              <a:t>7/7/2022</a:t>
+              <a:t>7/9/2022</a:t>
             </a:fld>
             <a:endParaRPr lang="en-US" dirty="0"/>
           </a:p>
@@ -1445,7 +1447,7 @@
           <a:p>
             <a:fld id="{20EBB0C4-6273-4C6E-B9BD-2EDC30F1CD52}" type="datetimeFigureOut">
               <a:rPr lang="en-US" smtClean="0"/>
-              <a:t>7/7/2022</a:t>
+              <a:t>7/9/2022</a:t>
             </a:fld>
             <a:endParaRPr lang="en-US" dirty="0"/>
           </a:p>
@@ -1747,7 +1749,7 @@
           <a:p>
             <a:fld id="{98624D31-43A5-475A-80CF-332C9F6DCF35}" type="datetimeFigureOut">
               <a:rPr lang="en-US" smtClean="0"/>
-              <a:t>7/7/2022</a:t>
+              <a:t>7/9/2022</a:t>
             </a:fld>
             <a:endParaRPr lang="en-US" dirty="0"/>
           </a:p>
@@ -2171,7 +2173,7 @@
           <a:p>
             <a:fld id="{98624D31-43A5-475A-80CF-332C9F6DCF35}" type="datetimeFigureOut">
               <a:rPr lang="en-US" smtClean="0"/>
-              <a:t>7/7/2022</a:t>
+              <a:t>7/9/2022</a:t>
             </a:fld>
             <a:endParaRPr lang="en-US" dirty="0"/>
           </a:p>
@@ -2335,7 +2337,7 @@
           <a:p>
             <a:fld id="{C8C39B41-D8B5-4052-B551-9B5525EAA8B6}" type="datetimeFigureOut">
               <a:rPr lang="en-US" smtClean="0"/>
-              <a:t>7/7/2022</a:t>
+              <a:t>7/9/2022</a:t>
             </a:fld>
             <a:endParaRPr lang="en-US" dirty="0"/>
           </a:p>
@@ -2430,7 +2432,7 @@
           <a:p>
             <a:fld id="{4D94136C-8742-45B2-AF27-D93DF72833A9}" type="datetimeFigureOut">
               <a:rPr lang="en-US" smtClean="0"/>
-              <a:t>7/7/2022</a:t>
+              <a:t>7/9/2022</a:t>
             </a:fld>
             <a:endParaRPr lang="en-US" dirty="0"/>
           </a:p>
@@ -2809,7 +2811,7 @@
           <a:p>
             <a:fld id="{98624D31-43A5-475A-80CF-332C9F6DCF35}" type="datetimeFigureOut">
               <a:rPr lang="en-US" smtClean="0"/>
-              <a:t>7/7/2022</a:t>
+              <a:t>7/9/2022</a:t>
             </a:fld>
             <a:endParaRPr lang="en-US" dirty="0"/>
           </a:p>
@@ -3099,7 +3101,7 @@
           <a:p>
             <a:fld id="{C9CAD897-D46E-4AD2-BD9B-49DD3E640873}" type="datetimeFigureOut">
               <a:rPr lang="en-US" smtClean="0"/>
-              <a:t>7/7/2022</a:t>
+              <a:t>7/9/2022</a:t>
             </a:fld>
             <a:endParaRPr lang="en-US" dirty="0"/>
           </a:p>
@@ -3310,7 +3312,7 @@
           <a:p>
             <a:fld id="{98624D31-43A5-475A-80CF-332C9F6DCF35}" type="datetimeFigureOut">
               <a:rPr lang="en-US" smtClean="0"/>
-              <a:t>7/7/2022</a:t>
+              <a:t>7/9/2022</a:t>
             </a:fld>
             <a:endParaRPr lang="en-US" dirty="0"/>
           </a:p>
@@ -4136,6 +4138,142 @@
     <p:extLst>
       <p:ext uri="{BB962C8B-B14F-4D97-AF65-F5344CB8AC3E}">
         <p14:creationId xmlns:p14="http://schemas.microsoft.com/office/powerpoint/2010/main" val="124586187"/>
+      </p:ext>
+    </p:extLst>
+  </p:cSld>
+  <p:clrMapOvr>
+    <a:masterClrMapping/>
+  </p:clrMapOvr>
+</p:sld>
+</file>
+
+<file path=ppt/slides/slide11.xml><?xml version="1.0" encoding="utf-8"?>
+<p:sld xmlns:a="http://schemas.openxmlformats.org/drawingml/2006/main" xmlns:r="http://schemas.openxmlformats.org/officeDocument/2006/relationships" xmlns:p="http://schemas.openxmlformats.org/presentationml/2006/main">
+  <p:cSld>
+    <p:spTree>
+      <p:nvGrpSpPr>
+        <p:cNvPr id="1" name=""/>
+        <p:cNvGrpSpPr/>
+        <p:nvPr/>
+      </p:nvGrpSpPr>
+      <p:grpSpPr>
+        <a:xfrm>
+          <a:off x="0" y="0"/>
+          <a:ext cx="0" cy="0"/>
+          <a:chOff x="0" y="0"/>
+          <a:chExt cx="0" cy="0"/>
+        </a:xfrm>
+      </p:grpSpPr>
+      <p:sp>
+        <p:nvSpPr>
+          <p:cNvPr id="2" name="Title 1">
+            <a:extLst>
+              <a:ext uri="{FF2B5EF4-FFF2-40B4-BE49-F238E27FC236}">
+                <a16:creationId xmlns:a16="http://schemas.microsoft.com/office/drawing/2014/main" id="{038C55C3-0DED-4D56-A190-4B5CC34C335D}"/>
+              </a:ext>
+            </a:extLst>
+          </p:cNvPr>
+          <p:cNvSpPr>
+            <a:spLocks noGrp="1"/>
+          </p:cNvSpPr>
+          <p:nvPr>
+            <p:ph type="title"/>
+          </p:nvPr>
+        </p:nvSpPr>
+        <p:spPr/>
+        <p:txBody>
+          <a:bodyPr anchor="ctr"/>
+          <a:lstStyle/>
+          <a:p>
+            <a:pPr algn="ctr"/>
+            <a:r>
+              <a:rPr lang="en-US" cap="none" dirty="0"/>
+              <a:t>Conclusion</a:t>
+            </a:r>
+            <a:endParaRPr lang="uk-UA" cap="none" dirty="0"/>
+          </a:p>
+        </p:txBody>
+      </p:sp>
+      <p:sp>
+        <p:nvSpPr>
+          <p:cNvPr id="3" name="Content Placeholder 2">
+            <a:extLst>
+              <a:ext uri="{FF2B5EF4-FFF2-40B4-BE49-F238E27FC236}">
+                <a16:creationId xmlns:a16="http://schemas.microsoft.com/office/drawing/2014/main" id="{E9292E35-39AB-4180-90A4-6F3553A04EE8}"/>
+              </a:ext>
+            </a:extLst>
+          </p:cNvPr>
+          <p:cNvSpPr>
+            <a:spLocks noGrp="1"/>
+          </p:cNvSpPr>
+          <p:nvPr>
+            <p:ph idx="1"/>
+          </p:nvPr>
+        </p:nvSpPr>
+        <p:spPr/>
+        <p:txBody>
+          <a:bodyPr anchor="t"/>
+          <a:lstStyle/>
+          <a:p>
+            <a:pPr marL="0" indent="0">
+              <a:buNone/>
+            </a:pPr>
+            <a:r>
+              <a:rPr lang="en-US" dirty="0"/>
+              <a:t>The goals set in this project have been achieved. </a:t>
+            </a:r>
+          </a:p>
+          <a:p>
+            <a:pPr marL="0" indent="0">
+              <a:buNone/>
+            </a:pPr>
+            <a:endParaRPr lang="en-US" dirty="0"/>
+          </a:p>
+          <a:p>
+            <a:pPr marL="0" indent="0">
+              <a:buNone/>
+            </a:pPr>
+            <a:r>
+              <a:rPr lang="en-US" dirty="0"/>
+              <a:t>Ideas for improvement:</a:t>
+            </a:r>
+          </a:p>
+          <a:p>
+            <a:pPr>
+              <a:buFont typeface="Wingdings" panose="05000000000000000000" pitchFamily="2" charset="2"/>
+              <a:buChar char="§"/>
+            </a:pPr>
+            <a:r>
+              <a:rPr lang="en-US" dirty="0"/>
+              <a:t>integrate Ansible as a tool for configuring servers</a:t>
+            </a:r>
+          </a:p>
+          <a:p>
+            <a:pPr>
+              <a:buFont typeface="Wingdings" panose="05000000000000000000" pitchFamily="2" charset="2"/>
+              <a:buChar char="§"/>
+            </a:pPr>
+            <a:r>
+              <a:rPr lang="en-US" dirty="0"/>
+              <a:t>create and administrate database server for storing data</a:t>
+            </a:r>
+          </a:p>
+          <a:p>
+            <a:pPr>
+              <a:buFont typeface="Wingdings" panose="05000000000000000000" pitchFamily="2" charset="2"/>
+              <a:buChar char="§"/>
+            </a:pPr>
+            <a:r>
+              <a:rPr lang="en-US" dirty="0"/>
+              <a:t>adjust autoscaling</a:t>
+            </a:r>
+          </a:p>
+        </p:txBody>
+      </p:sp>
+    </p:spTree>
+    <p:extLst>
+      <p:ext uri="{BB962C8B-B14F-4D97-AF65-F5344CB8AC3E}">
+        <p14:creationId xmlns:p14="http://schemas.microsoft.com/office/powerpoint/2010/main" val="347642197"/>
       </p:ext>
     </p:extLst>
   </p:cSld>

--- a/m9/task9.1/images/Final_Project_OleksandrMakarov.pptx
+++ b/m9/task9.1/images/Final_Project_OleksandrMakarov.pptx
@@ -397,7 +397,7 @@
           <a:p>
             <a:fld id="{4BDF68E2-58F2-4D09-BE8B-E3BD06533059}" type="datetimeFigureOut">
               <a:rPr lang="en-US" smtClean="0"/>
-              <a:t>7/9/2022</a:t>
+              <a:t>7/14/2022</a:t>
             </a:fld>
             <a:endParaRPr lang="en-US" dirty="0"/>
           </a:p>
@@ -659,7 +659,7 @@
           <a:p>
             <a:fld id="{98624D31-43A5-475A-80CF-332C9F6DCF35}" type="datetimeFigureOut">
               <a:rPr lang="en-US" smtClean="0"/>
-              <a:t>7/9/2022</a:t>
+              <a:t>7/14/2022</a:t>
             </a:fld>
             <a:endParaRPr lang="en-US" dirty="0"/>
           </a:p>
@@ -896,7 +896,7 @@
           <a:p>
             <a:fld id="{98624D31-43A5-475A-80CF-332C9F6DCF35}" type="datetimeFigureOut">
               <a:rPr lang="en-US" smtClean="0"/>
-              <a:t>7/9/2022</a:t>
+              <a:t>7/14/2022</a:t>
             </a:fld>
             <a:endParaRPr lang="en-US" dirty="0"/>
           </a:p>
@@ -1138,7 +1138,7 @@
           <a:p>
             <a:fld id="{98624D31-43A5-475A-80CF-332C9F6DCF35}" type="datetimeFigureOut">
               <a:rPr lang="en-US" smtClean="0"/>
-              <a:t>7/9/2022</a:t>
+              <a:t>7/14/2022</a:t>
             </a:fld>
             <a:endParaRPr lang="en-US" dirty="0"/>
           </a:p>
@@ -1447,7 +1447,7 @@
           <a:p>
             <a:fld id="{20EBB0C4-6273-4C6E-B9BD-2EDC30F1CD52}" type="datetimeFigureOut">
               <a:rPr lang="en-US" smtClean="0"/>
-              <a:t>7/9/2022</a:t>
+              <a:t>7/14/2022</a:t>
             </a:fld>
             <a:endParaRPr lang="en-US" dirty="0"/>
           </a:p>
@@ -1749,7 +1749,7 @@
           <a:p>
             <a:fld id="{98624D31-43A5-475A-80CF-332C9F6DCF35}" type="datetimeFigureOut">
               <a:rPr lang="en-US" smtClean="0"/>
-              <a:t>7/9/2022</a:t>
+              <a:t>7/14/2022</a:t>
             </a:fld>
             <a:endParaRPr lang="en-US" dirty="0"/>
           </a:p>
@@ -2173,7 +2173,7 @@
           <a:p>
             <a:fld id="{98624D31-43A5-475A-80CF-332C9F6DCF35}" type="datetimeFigureOut">
               <a:rPr lang="en-US" smtClean="0"/>
-              <a:t>7/9/2022</a:t>
+              <a:t>7/14/2022</a:t>
             </a:fld>
             <a:endParaRPr lang="en-US" dirty="0"/>
           </a:p>
@@ -2337,7 +2337,7 @@
           <a:p>
             <a:fld id="{C8C39B41-D8B5-4052-B551-9B5525EAA8B6}" type="datetimeFigureOut">
               <a:rPr lang="en-US" smtClean="0"/>
-              <a:t>7/9/2022</a:t>
+              <a:t>7/14/2022</a:t>
             </a:fld>
             <a:endParaRPr lang="en-US" dirty="0"/>
           </a:p>
@@ -2432,7 +2432,7 @@
           <a:p>
             <a:fld id="{4D94136C-8742-45B2-AF27-D93DF72833A9}" type="datetimeFigureOut">
               <a:rPr lang="en-US" smtClean="0"/>
-              <a:t>7/9/2022</a:t>
+              <a:t>7/14/2022</a:t>
             </a:fld>
             <a:endParaRPr lang="en-US" dirty="0"/>
           </a:p>
@@ -2811,7 +2811,7 @@
           <a:p>
             <a:fld id="{98624D31-43A5-475A-80CF-332C9F6DCF35}" type="datetimeFigureOut">
               <a:rPr lang="en-US" smtClean="0"/>
-              <a:t>7/9/2022</a:t>
+              <a:t>7/14/2022</a:t>
             </a:fld>
             <a:endParaRPr lang="en-US" dirty="0"/>
           </a:p>
@@ -3101,7 +3101,7 @@
           <a:p>
             <a:fld id="{C9CAD897-D46E-4AD2-BD9B-49DD3E640873}" type="datetimeFigureOut">
               <a:rPr lang="en-US" smtClean="0"/>
-              <a:t>7/9/2022</a:t>
+              <a:t>7/14/2022</a:t>
             </a:fld>
             <a:endParaRPr lang="en-US" dirty="0"/>
           </a:p>
@@ -3312,7 +3312,7 @@
           <a:p>
             <a:fld id="{98624D31-43A5-475A-80CF-332C9F6DCF35}" type="datetimeFigureOut">
               <a:rPr lang="en-US" smtClean="0"/>
-              <a:t>7/9/2022</a:t>
+              <a:t>7/14/2022</a:t>
             </a:fld>
             <a:endParaRPr lang="en-US" dirty="0"/>
           </a:p>
@@ -4400,6 +4400,19 @@
             <a:r>
               <a:rPr lang="en-US" dirty="0"/>
               <a:t>continuous integration</a:t>
+            </a:r>
+          </a:p>
+          <a:p>
+            <a:pPr>
+              <a:buFont typeface="Wingdings" panose="05000000000000000000" pitchFamily="2" charset="2"/>
+              <a:buChar char="§"/>
+              <a:tabLst>
+                <a:tab pos="177800" algn="l"/>
+              </a:tabLst>
+            </a:pPr>
+            <a:r>
+              <a:rPr lang="en-US" dirty="0"/>
+              <a:t>continuous delivery</a:t>
             </a:r>
           </a:p>
           <a:p>
